--- a/Vue-Notes-App/VUE Presentation.pptx
+++ b/Vue-Notes-App/VUE Presentation.pptx
@@ -225,7 +225,7 @@
           <a:p>
             <a:fld id="{5EA28068-AFBD-4979-B752-9EB6F90B1386}" type="datetimeFigureOut">
               <a:rPr lang="en-US" smtClean="0"/>
-              <a:t>12/1/2023</a:t>
+              <a:t>12/4/2023</a:t>
             </a:fld>
             <a:endParaRPr lang="en-US" dirty="0"/>
           </a:p>
@@ -11971,14 +11971,13 @@
           <a:p>
             <a:r>
               <a:rPr lang="en-US" sz="2000" dirty="0"/>
-              <a:t>Components </a:t>
-            </a:r>
-          </a:p>
-          <a:p>
-            <a:r>
-              <a:rPr lang="en-US" sz="2000" dirty="0"/>
-              <a:t>Save to OneDrive, to get to your presentations from your computer, tablet, or phone. </a:t>
-            </a:r>
+              <a:t>Components can be </a:t>
+            </a:r>
+            <a:r>
+              <a:rPr lang="en-US" sz="2000"/>
+              <a:t>reused anywhere</a:t>
+            </a:r>
+            <a:endParaRPr lang="en-US" sz="2000" dirty="0"/>
           </a:p>
         </p:txBody>
       </p:sp>
@@ -12045,14 +12044,19 @@
           <a:p>
             <a:r>
               <a:rPr lang="en-US" sz="2000" dirty="0"/>
-              <a:t>Open the Design Ideas pane for instant slide makeovers. </a:t>
+              <a:t>When variables change in the Javascript the DOM is updated automatically</a:t>
             </a:r>
           </a:p>
           <a:p>
             <a:r>
               <a:rPr lang="en-US" sz="2000" dirty="0"/>
-              <a:t>When we have design ideas, we’ll show them to you right there. </a:t>
-            </a:r>
+              <a:t>Variables must be wrapped </a:t>
+            </a:r>
+            <a:r>
+              <a:rPr lang="en-US" dirty="0"/>
+              <a:t>with ref()</a:t>
+            </a:r>
+            <a:endParaRPr lang="en-US" sz="2000" dirty="0"/>
           </a:p>
         </p:txBody>
       </p:sp>
@@ -12668,6 +12672,15 @@
 </file>
 
 <file path=customXml/item1.xml><?xml version="1.0" encoding="utf-8"?>
+<?mso-contentType ?>
+<FormTemplates xmlns="http://schemas.microsoft.com/sharepoint/v3/contenttype/forms">
+  <Display>DocumentLibraryForm</Display>
+  <Edit>DocumentLibraryForm</Edit>
+  <New>DocumentLibraryForm</New>
+</FormTemplates>
+</file>
+
+<file path=customXml/item2.xml><?xml version="1.0" encoding="utf-8"?>
 <p:properties xmlns:p="http://schemas.microsoft.com/office/2006/metadata/properties" xmlns:xsi="http://www.w3.org/2001/XMLSchema-instance" xmlns:pc="http://schemas.microsoft.com/office/infopath/2007/PartnerControls">
   <documentManagement>
     <Status xmlns="71af3243-3dd4-4a8d-8c0d-dd76da1f02a5">Not started</Status>
@@ -12685,15 +12698,6 @@
     <TaxCatchAll xmlns="230e9df3-be65-4c73-a93b-d1236ebd677e" xsi:nil="true"/>
   </documentManagement>
 </p:properties>
-</file>
-
-<file path=customXml/item2.xml><?xml version="1.0" encoding="utf-8"?>
-<?mso-contentType ?>
-<FormTemplates xmlns="http://schemas.microsoft.com/sharepoint/v3/contenttype/forms">
-  <Display>DocumentLibraryForm</Display>
-  <Edit>DocumentLibraryForm</Edit>
-  <New>DocumentLibraryForm</New>
-</FormTemplates>
 </file>
 
 <file path=customXml/item3.xml><?xml version="1.0" encoding="utf-8"?>
@@ -13009,6 +13013,14 @@
 </file>
 
 <file path=customXml/itemProps1.xml><?xml version="1.0" encoding="utf-8"?>
+<ds:datastoreItem xmlns:ds="http://schemas.openxmlformats.org/officeDocument/2006/customXml" ds:itemID="{F979E8A1-055A-4751-97E9-E6B1F9E21214}">
+  <ds:schemaRefs>
+    <ds:schemaRef ds:uri="http://schemas.microsoft.com/sharepoint/v3/contenttype/forms"/>
+  </ds:schemaRefs>
+</ds:datastoreItem>
+</file>
+
+<file path=customXml/itemProps2.xml><?xml version="1.0" encoding="utf-8"?>
 <ds:datastoreItem xmlns:ds="http://schemas.openxmlformats.org/officeDocument/2006/customXml" ds:itemID="{99D08CD0-82A3-4566-9B63-BB91B2D89764}">
   <ds:schemaRefs>
     <ds:schemaRef ds:uri="http://schemas.microsoft.com/office/2006/metadata/properties"/>
@@ -13016,14 +13028,6 @@
     <ds:schemaRef ds:uri="71af3243-3dd4-4a8d-8c0d-dd76da1f02a5"/>
     <ds:schemaRef ds:uri="http://schemas.microsoft.com/sharepoint/v3"/>
     <ds:schemaRef ds:uri="230e9df3-be65-4c73-a93b-d1236ebd677e"/>
-  </ds:schemaRefs>
-</ds:datastoreItem>
-</file>
-
-<file path=customXml/itemProps2.xml><?xml version="1.0" encoding="utf-8"?>
-<ds:datastoreItem xmlns:ds="http://schemas.openxmlformats.org/officeDocument/2006/customXml" ds:itemID="{F979E8A1-055A-4751-97E9-E6B1F9E21214}">
-  <ds:schemaRefs>
-    <ds:schemaRef ds:uri="http://schemas.microsoft.com/sharepoint/v3/contenttype/forms"/>
   </ds:schemaRefs>
 </ds:datastoreItem>
 </file>

--- a/Vue-Notes-App/VUE Presentation.pptx
+++ b/Vue-Notes-App/VUE Presentation.pptx
@@ -5,7 +5,7 @@
     <p:sldMasterId id="2147483696" r:id="rId4"/>
   </p:sldMasterIdLst>
   <p:notesMasterIdLst>
-    <p:notesMasterId r:id="rId12"/>
+    <p:notesMasterId r:id="rId13"/>
   </p:notesMasterIdLst>
   <p:sldIdLst>
     <p:sldId id="306" r:id="rId5"/>
@@ -14,7 +14,8 @@
     <p:sldId id="314" r:id="rId8"/>
     <p:sldId id="310" r:id="rId9"/>
     <p:sldId id="304" r:id="rId10"/>
-    <p:sldId id="309" r:id="rId11"/>
+    <p:sldId id="315" r:id="rId11"/>
+    <p:sldId id="309" r:id="rId12"/>
   </p:sldIdLst>
   <p:sldSz cx="12192000" cy="6858000"/>
   <p:notesSz cx="6858000" cy="9144000"/>
@@ -225,7 +226,7 @@
           <a:p>
             <a:fld id="{5EA28068-AFBD-4979-B752-9EB6F90B1386}" type="datetimeFigureOut">
               <a:rPr lang="en-US" smtClean="0"/>
-              <a:t>12/4/2023</a:t>
+              <a:t>12/8/2023</a:t>
             </a:fld>
             <a:endParaRPr lang="en-US" dirty="0"/>
           </a:p>
@@ -11724,7 +11725,7 @@
         </p:nvSpPr>
         <p:spPr>
           <a:xfrm>
-            <a:off x="6391655" y="2090928"/>
+            <a:off x="6265323" y="1922486"/>
             <a:ext cx="4434835" cy="2918394"/>
           </a:xfrm>
         </p:spPr>
@@ -11736,7 +11737,7 @@
           <a:p>
             <a:r>
               <a:rPr lang="en-US" sz="2400" dirty="0"/>
-              <a:t>Due use reactivity, wrap your variables with </a:t>
+              <a:t>Vue uses reactivity, wrap your variables with </a:t>
             </a:r>
             <a:r>
               <a:rPr lang="en-US" sz="2400" dirty="0" err="1"/>
@@ -11897,7 +11898,7 @@
           <a:p>
             <a:r>
               <a:rPr lang="en-US" sz="5400" dirty="0"/>
-              <a:t>Conclusion</a:t>
+              <a:t>Vue.JS Conclusion</a:t>
             </a:r>
           </a:p>
         </p:txBody>
@@ -12074,6 +12075,201 @@
 </file>
 
 <file path=ppt/slides/slide7.xml><?xml version="1.0" encoding="utf-8"?>
+<p:sld xmlns:a="http://schemas.openxmlformats.org/drawingml/2006/main" xmlns:r="http://schemas.openxmlformats.org/officeDocument/2006/relationships" xmlns:p="http://schemas.openxmlformats.org/presentationml/2006/main">
+  <p:cSld>
+    <p:spTree>
+      <p:nvGrpSpPr>
+        <p:cNvPr id="1" name=""/>
+        <p:cNvGrpSpPr/>
+        <p:nvPr/>
+      </p:nvGrpSpPr>
+      <p:grpSpPr>
+        <a:xfrm>
+          <a:off x="0" y="0"/>
+          <a:ext cx="0" cy="0"/>
+          <a:chOff x="0" y="0"/>
+          <a:chExt cx="0" cy="0"/>
+        </a:xfrm>
+      </p:grpSpPr>
+      <p:sp>
+        <p:nvSpPr>
+          <p:cNvPr id="6" name="Title 5">
+            <a:extLst>
+              <a:ext uri="{FF2B5EF4-FFF2-40B4-BE49-F238E27FC236}">
+                <a16:creationId xmlns:a16="http://schemas.microsoft.com/office/drawing/2014/main" id="{BF408C1A-6ED5-7C46-F8D9-7057169E7603}"/>
+              </a:ext>
+            </a:extLst>
+          </p:cNvPr>
+          <p:cNvSpPr>
+            <a:spLocks noGrp="1"/>
+          </p:cNvSpPr>
+          <p:nvPr>
+            <p:ph type="title"/>
+          </p:nvPr>
+        </p:nvSpPr>
+        <p:spPr>
+          <a:xfrm>
+            <a:off x="5760720" y="585216"/>
+            <a:ext cx="5276088" cy="768337"/>
+          </a:xfrm>
+        </p:spPr>
+        <p:txBody>
+          <a:bodyPr/>
+          <a:lstStyle/>
+          <a:p>
+            <a:r>
+              <a:rPr lang="en-US" dirty="0"/>
+              <a:t>TAILWIND</a:t>
+            </a:r>
+          </a:p>
+        </p:txBody>
+      </p:sp>
+      <p:sp>
+        <p:nvSpPr>
+          <p:cNvPr id="7" name="Footer Placeholder 6">
+            <a:extLst>
+              <a:ext uri="{FF2B5EF4-FFF2-40B4-BE49-F238E27FC236}">
+                <a16:creationId xmlns:a16="http://schemas.microsoft.com/office/drawing/2014/main" id="{730D61ED-D562-A0E2-5766-3D117FD52C06}"/>
+              </a:ext>
+            </a:extLst>
+          </p:cNvPr>
+          <p:cNvSpPr>
+            <a:spLocks noGrp="1"/>
+          </p:cNvSpPr>
+          <p:nvPr>
+            <p:ph type="ftr" sz="quarter" idx="11"/>
+          </p:nvPr>
+        </p:nvSpPr>
+        <p:spPr/>
+        <p:txBody>
+          <a:bodyPr/>
+          <a:lstStyle/>
+          <a:p>
+            <a:r>
+              <a:rPr lang="en-US" dirty="0"/>
+              <a:t>Tailwind</a:t>
+            </a:r>
+          </a:p>
+        </p:txBody>
+      </p:sp>
+      <p:sp>
+        <p:nvSpPr>
+          <p:cNvPr id="8" name="Slide Number Placeholder 7">
+            <a:extLst>
+              <a:ext uri="{FF2B5EF4-FFF2-40B4-BE49-F238E27FC236}">
+                <a16:creationId xmlns:a16="http://schemas.microsoft.com/office/drawing/2014/main" id="{77D330A1-1702-AD58-A61C-7F93F5CCCA56}"/>
+              </a:ext>
+            </a:extLst>
+          </p:cNvPr>
+          <p:cNvSpPr>
+            <a:spLocks noGrp="1"/>
+          </p:cNvSpPr>
+          <p:nvPr>
+            <p:ph type="sldNum" sz="quarter" idx="12"/>
+          </p:nvPr>
+        </p:nvSpPr>
+        <p:spPr/>
+        <p:txBody>
+          <a:bodyPr/>
+          <a:lstStyle/>
+          <a:p>
+            <a:fld id="{D8DA9DAA-006C-4F4B-980E-E3DF019B24E2}" type="slidenum">
+              <a:rPr lang="en-US" smtClean="0"/>
+              <a:pPr/>
+              <a:t>7</a:t>
+            </a:fld>
+            <a:endParaRPr lang="en-US" dirty="0"/>
+          </a:p>
+        </p:txBody>
+      </p:sp>
+      <p:sp>
+        <p:nvSpPr>
+          <p:cNvPr id="9" name="Text Placeholder 8">
+            <a:extLst>
+              <a:ext uri="{FF2B5EF4-FFF2-40B4-BE49-F238E27FC236}">
+                <a16:creationId xmlns:a16="http://schemas.microsoft.com/office/drawing/2014/main" id="{FD396192-E268-3D56-22D8-614ACC8C9CAC}"/>
+              </a:ext>
+            </a:extLst>
+          </p:cNvPr>
+          <p:cNvSpPr>
+            <a:spLocks noGrp="1"/>
+          </p:cNvSpPr>
+          <p:nvPr>
+            <p:ph type="body" sz="quarter" idx="13"/>
+          </p:nvPr>
+        </p:nvSpPr>
+        <p:spPr>
+          <a:xfrm>
+            <a:off x="7603588" y="1558732"/>
+            <a:ext cx="3433219" cy="3948769"/>
+          </a:xfrm>
+        </p:spPr>
+        <p:txBody>
+          <a:bodyPr>
+            <a:normAutofit/>
+          </a:bodyPr>
+          <a:lstStyle/>
+          <a:p>
+            <a:r>
+              <a:rPr lang="en-US" dirty="0"/>
+              <a:t>Is a CSS framework that relies on “utility” classes to quickly change the styling of your components.</a:t>
+            </a:r>
+          </a:p>
+          <a:p>
+            <a:endParaRPr lang="en-US" dirty="0"/>
+          </a:p>
+          <a:p>
+            <a:r>
+              <a:rPr lang="en-US" dirty="0"/>
+              <a:t>Utility classes are built around individual stylings which is different than other frameworks and traditional CSS. </a:t>
+            </a:r>
+          </a:p>
+        </p:txBody>
+      </p:sp>
+      <p:pic>
+        <p:nvPicPr>
+          <p:cNvPr id="11" name="Picture 10">
+            <a:extLst>
+              <a:ext uri="{FF2B5EF4-FFF2-40B4-BE49-F238E27FC236}">
+                <a16:creationId xmlns:a16="http://schemas.microsoft.com/office/drawing/2014/main" id="{88263417-FE3B-4605-2D2D-58553B915E9A}"/>
+              </a:ext>
+            </a:extLst>
+          </p:cNvPr>
+          <p:cNvPicPr>
+            <a:picLocks noChangeAspect="1"/>
+          </p:cNvPicPr>
+          <p:nvPr/>
+        </p:nvPicPr>
+        <p:blipFill>
+          <a:blip r:embed="rId2"/>
+          <a:stretch>
+            <a:fillRect/>
+          </a:stretch>
+        </p:blipFill>
+        <p:spPr>
+          <a:xfrm>
+            <a:off x="1155193" y="1561650"/>
+            <a:ext cx="6209244" cy="4393973"/>
+          </a:xfrm>
+          <a:prstGeom prst="rect">
+            <a:avLst/>
+          </a:prstGeom>
+        </p:spPr>
+      </p:pic>
+    </p:spTree>
+    <p:extLst>
+      <p:ext uri="{BB962C8B-B14F-4D97-AF65-F5344CB8AC3E}">
+        <p14:creationId xmlns:p14="http://schemas.microsoft.com/office/powerpoint/2010/main" val="2050337667"/>
+      </p:ext>
+    </p:extLst>
+  </p:cSld>
+  <p:clrMapOvr>
+    <a:masterClrMapping/>
+  </p:clrMapOvr>
+</p:sld>
+</file>
+
+<file path=ppt/slides/slide8.xml><?xml version="1.0" encoding="utf-8"?>
 <p:sld xmlns:a="http://schemas.openxmlformats.org/drawingml/2006/main" xmlns:r="http://schemas.openxmlformats.org/officeDocument/2006/relationships" xmlns:p="http://schemas.openxmlformats.org/presentationml/2006/main">
   <p:cSld>
     <p:spTree>
@@ -12672,15 +12868,6 @@
 </file>
 
 <file path=customXml/item1.xml><?xml version="1.0" encoding="utf-8"?>
-<?mso-contentType ?>
-<FormTemplates xmlns="http://schemas.microsoft.com/sharepoint/v3/contenttype/forms">
-  <Display>DocumentLibraryForm</Display>
-  <Edit>DocumentLibraryForm</Edit>
-  <New>DocumentLibraryForm</New>
-</FormTemplates>
-</file>
-
-<file path=customXml/item2.xml><?xml version="1.0" encoding="utf-8"?>
 <p:properties xmlns:p="http://schemas.microsoft.com/office/2006/metadata/properties" xmlns:xsi="http://www.w3.org/2001/XMLSchema-instance" xmlns:pc="http://schemas.microsoft.com/office/infopath/2007/PartnerControls">
   <documentManagement>
     <Status xmlns="71af3243-3dd4-4a8d-8c0d-dd76da1f02a5">Not started</Status>
@@ -12698,6 +12885,15 @@
     <TaxCatchAll xmlns="230e9df3-be65-4c73-a93b-d1236ebd677e" xsi:nil="true"/>
   </documentManagement>
 </p:properties>
+</file>
+
+<file path=customXml/item2.xml><?xml version="1.0" encoding="utf-8"?>
+<?mso-contentType ?>
+<FormTemplates xmlns="http://schemas.microsoft.com/sharepoint/v3/contenttype/forms">
+  <Display>DocumentLibraryForm</Display>
+  <Edit>DocumentLibraryForm</Edit>
+  <New>DocumentLibraryForm</New>
+</FormTemplates>
 </file>
 
 <file path=customXml/item3.xml><?xml version="1.0" encoding="utf-8"?>
@@ -13013,14 +13209,6 @@
 </file>
 
 <file path=customXml/itemProps1.xml><?xml version="1.0" encoding="utf-8"?>
-<ds:datastoreItem xmlns:ds="http://schemas.openxmlformats.org/officeDocument/2006/customXml" ds:itemID="{F979E8A1-055A-4751-97E9-E6B1F9E21214}">
-  <ds:schemaRefs>
-    <ds:schemaRef ds:uri="http://schemas.microsoft.com/sharepoint/v3/contenttype/forms"/>
-  </ds:schemaRefs>
-</ds:datastoreItem>
-</file>
-
-<file path=customXml/itemProps2.xml><?xml version="1.0" encoding="utf-8"?>
 <ds:datastoreItem xmlns:ds="http://schemas.openxmlformats.org/officeDocument/2006/customXml" ds:itemID="{99D08CD0-82A3-4566-9B63-BB91B2D89764}">
   <ds:schemaRefs>
     <ds:schemaRef ds:uri="http://schemas.microsoft.com/office/2006/metadata/properties"/>
@@ -13028,6 +13216,14 @@
     <ds:schemaRef ds:uri="71af3243-3dd4-4a8d-8c0d-dd76da1f02a5"/>
     <ds:schemaRef ds:uri="http://schemas.microsoft.com/sharepoint/v3"/>
     <ds:schemaRef ds:uri="230e9df3-be65-4c73-a93b-d1236ebd677e"/>
+  </ds:schemaRefs>
+</ds:datastoreItem>
+</file>
+
+<file path=customXml/itemProps2.xml><?xml version="1.0" encoding="utf-8"?>
+<ds:datastoreItem xmlns:ds="http://schemas.openxmlformats.org/officeDocument/2006/customXml" ds:itemID="{F979E8A1-055A-4751-97E9-E6B1F9E21214}">
+  <ds:schemaRefs>
+    <ds:schemaRef ds:uri="http://schemas.microsoft.com/sharepoint/v3/contenttype/forms"/>
   </ds:schemaRefs>
 </ds:datastoreItem>
 </file>
